--- a/documentation/Imaginarium.pptx
+++ b/documentation/Imaginarium.pptx
@@ -2,7 +2,7 @@
 <file path=ppt/presentation.xml><?xml version="1.0" encoding="utf-8"?>
 <p:presentation xmlns:a="http://schemas.openxmlformats.org/drawingml/2006/main" xmlns:r="http://schemas.openxmlformats.org/officeDocument/2006/relationships" xmlns:p="http://schemas.openxmlformats.org/presentationml/2006/main" saveSubsetFonts="1">
   <p:sldMasterIdLst>
-    <p:sldMasterId id="2147483648" r:id="rId1"/>
+    <p:sldMasterId id="2147483660" r:id="rId1"/>
   </p:sldMasterIdLst>
   <p:sldIdLst>
     <p:sldId id="256" r:id="rId2"/>
@@ -22,7 +22,7 @@
     <a:defPPr>
       <a:defRPr lang="en-US"/>
     </a:defPPr>
-    <a:lvl1pPr marL="0" algn="l" defTabSz="914400" rtl="0" eaLnBrk="1" latinLnBrk="0" hangingPunct="1">
+    <a:lvl1pPr marL="0" algn="l" defTabSz="457200" rtl="0" eaLnBrk="1" latinLnBrk="0" hangingPunct="1">
       <a:defRPr sz="1800" kern="1200">
         <a:solidFill>
           <a:schemeClr val="tx1"/>
@@ -32,7 +32,7 @@
         <a:cs typeface="+mn-cs"/>
       </a:defRPr>
     </a:lvl1pPr>
-    <a:lvl2pPr marL="457200" algn="l" defTabSz="914400" rtl="0" eaLnBrk="1" latinLnBrk="0" hangingPunct="1">
+    <a:lvl2pPr marL="457200" algn="l" defTabSz="457200" rtl="0" eaLnBrk="1" latinLnBrk="0" hangingPunct="1">
       <a:defRPr sz="1800" kern="1200">
         <a:solidFill>
           <a:schemeClr val="tx1"/>
@@ -42,7 +42,7 @@
         <a:cs typeface="+mn-cs"/>
       </a:defRPr>
     </a:lvl2pPr>
-    <a:lvl3pPr marL="914400" algn="l" defTabSz="914400" rtl="0" eaLnBrk="1" latinLnBrk="0" hangingPunct="1">
+    <a:lvl3pPr marL="914400" algn="l" defTabSz="457200" rtl="0" eaLnBrk="1" latinLnBrk="0" hangingPunct="1">
       <a:defRPr sz="1800" kern="1200">
         <a:solidFill>
           <a:schemeClr val="tx1"/>
@@ -52,7 +52,7 @@
         <a:cs typeface="+mn-cs"/>
       </a:defRPr>
     </a:lvl3pPr>
-    <a:lvl4pPr marL="1371600" algn="l" defTabSz="914400" rtl="0" eaLnBrk="1" latinLnBrk="0" hangingPunct="1">
+    <a:lvl4pPr marL="1371600" algn="l" defTabSz="457200" rtl="0" eaLnBrk="1" latinLnBrk="0" hangingPunct="1">
       <a:defRPr sz="1800" kern="1200">
         <a:solidFill>
           <a:schemeClr val="tx1"/>
@@ -62,7 +62,7 @@
         <a:cs typeface="+mn-cs"/>
       </a:defRPr>
     </a:lvl4pPr>
-    <a:lvl5pPr marL="1828800" algn="l" defTabSz="914400" rtl="0" eaLnBrk="1" latinLnBrk="0" hangingPunct="1">
+    <a:lvl5pPr marL="1828800" algn="l" defTabSz="457200" rtl="0" eaLnBrk="1" latinLnBrk="0" hangingPunct="1">
       <a:defRPr sz="1800" kern="1200">
         <a:solidFill>
           <a:schemeClr val="tx1"/>
@@ -72,7 +72,7 @@
         <a:cs typeface="+mn-cs"/>
       </a:defRPr>
     </a:lvl5pPr>
-    <a:lvl6pPr marL="2286000" algn="l" defTabSz="914400" rtl="0" eaLnBrk="1" latinLnBrk="0" hangingPunct="1">
+    <a:lvl6pPr marL="2286000" algn="l" defTabSz="457200" rtl="0" eaLnBrk="1" latinLnBrk="0" hangingPunct="1">
       <a:defRPr sz="1800" kern="1200">
         <a:solidFill>
           <a:schemeClr val="tx1"/>
@@ -82,7 +82,7 @@
         <a:cs typeface="+mn-cs"/>
       </a:defRPr>
     </a:lvl6pPr>
-    <a:lvl7pPr marL="2743200" algn="l" defTabSz="914400" rtl="0" eaLnBrk="1" latinLnBrk="0" hangingPunct="1">
+    <a:lvl7pPr marL="2743200" algn="l" defTabSz="457200" rtl="0" eaLnBrk="1" latinLnBrk="0" hangingPunct="1">
       <a:defRPr sz="1800" kern="1200">
         <a:solidFill>
           <a:schemeClr val="tx1"/>
@@ -92,7 +92,7 @@
         <a:cs typeface="+mn-cs"/>
       </a:defRPr>
     </a:lvl7pPr>
-    <a:lvl8pPr marL="3200400" algn="l" defTabSz="914400" rtl="0" eaLnBrk="1" latinLnBrk="0" hangingPunct="1">
+    <a:lvl8pPr marL="3200400" algn="l" defTabSz="457200" rtl="0" eaLnBrk="1" latinLnBrk="0" hangingPunct="1">
       <a:defRPr sz="1800" kern="1200">
         <a:solidFill>
           <a:schemeClr val="tx1"/>
@@ -102,7 +102,7 @@
         <a:cs typeface="+mn-cs"/>
       </a:defRPr>
     </a:lvl8pPr>
-    <a:lvl9pPr marL="3657600" algn="l" defTabSz="914400" rtl="0" eaLnBrk="1" latinLnBrk="0" hangingPunct="1">
+    <a:lvl9pPr marL="3657600" algn="l" defTabSz="457200" rtl="0" eaLnBrk="1" latinLnBrk="0" hangingPunct="1">
       <a:defRPr sz="1800" kern="1200">
         <a:solidFill>
           <a:schemeClr val="tx1"/>
@@ -113,6 +113,11 @@
       </a:defRPr>
     </a:lvl9pPr>
   </p:defaultTextStyle>
+  <p:extLst>
+    <p:ext uri="{EFAFB233-063F-42B5-8137-9DF3F51BA10A}">
+      <p15:sldGuideLst xmlns:p15="http://schemas.microsoft.com/office/powerpoint/2012/main"/>
+    </p:ext>
+  </p:extLst>
 </p:presentation>
 </file>
 
@@ -135,13 +140,7 @@
       </p:grpSpPr>
       <p:sp>
         <p:nvSpPr>
-          <p:cNvPr id="2" name="Title 1">
-            <a:extLst>
-              <a:ext uri="{FF2B5EF4-FFF2-40B4-BE49-F238E27FC236}">
-                <a16:creationId xmlns:a16="http://schemas.microsoft.com/office/drawing/2014/main" id="{8FA39371-C3E9-44FA-9B72-45974727D57B}"/>
-              </a:ext>
-            </a:extLst>
-          </p:cNvPr>
+          <p:cNvPr id="2" name="Title 1"/>
           <p:cNvSpPr>
             <a:spLocks noGrp="1"/>
           </p:cNvSpPr>
@@ -167,18 +166,13 @@
               <a:rPr lang="en-US"/>
               <a:t>Click to edit Master title style</a:t>
             </a:r>
-          </a:p>
-        </p:txBody>
-      </p:sp>
-      <p:sp>
-        <p:nvSpPr>
-          <p:cNvPr id="3" name="Subtitle 2">
-            <a:extLst>
-              <a:ext uri="{FF2B5EF4-FFF2-40B4-BE49-F238E27FC236}">
-                <a16:creationId xmlns:a16="http://schemas.microsoft.com/office/drawing/2014/main" id="{46BF436F-44E8-483E-92F8-9BA958FC12A7}"/>
-              </a:ext>
-            </a:extLst>
-          </p:cNvPr>
+            <a:endParaRPr lang="en-US" dirty="0"/>
+          </a:p>
+        </p:txBody>
+      </p:sp>
+      <p:sp>
+        <p:nvSpPr>
+          <p:cNvPr id="3" name="Subtitle 2"/>
           <p:cNvSpPr>
             <a:spLocks noGrp="1"/>
           </p:cNvSpPr>
@@ -237,18 +231,13 @@
               <a:rPr lang="en-US"/>
               <a:t>Click to edit Master subtitle style</a:t>
             </a:r>
-          </a:p>
-        </p:txBody>
-      </p:sp>
-      <p:sp>
-        <p:nvSpPr>
-          <p:cNvPr id="4" name="Date Placeholder 3">
-            <a:extLst>
-              <a:ext uri="{FF2B5EF4-FFF2-40B4-BE49-F238E27FC236}">
-                <a16:creationId xmlns:a16="http://schemas.microsoft.com/office/drawing/2014/main" id="{3C5114BF-1AC1-4247-8C4D-EE9353A68AC4}"/>
-              </a:ext>
-            </a:extLst>
-          </p:cNvPr>
+            <a:endParaRPr lang="en-US" dirty="0"/>
+          </a:p>
+        </p:txBody>
+      </p:sp>
+      <p:sp>
+        <p:nvSpPr>
+          <p:cNvPr id="4" name="Date Placeholder 3"/>
           <p:cNvSpPr>
             <a:spLocks noGrp="1"/>
           </p:cNvSpPr>
@@ -271,13 +260,7 @@
       </p:sp>
       <p:sp>
         <p:nvSpPr>
-          <p:cNvPr id="5" name="Footer Placeholder 4">
-            <a:extLst>
-              <a:ext uri="{FF2B5EF4-FFF2-40B4-BE49-F238E27FC236}">
-                <a16:creationId xmlns:a16="http://schemas.microsoft.com/office/drawing/2014/main" id="{7DCC627E-403A-4E43-8067-53124F616B70}"/>
-              </a:ext>
-            </a:extLst>
-          </p:cNvPr>
+          <p:cNvPr id="5" name="Footer Placeholder 4"/>
           <p:cNvSpPr>
             <a:spLocks noGrp="1"/>
           </p:cNvSpPr>
@@ -296,13 +279,7 @@
       </p:sp>
       <p:sp>
         <p:nvSpPr>
-          <p:cNvPr id="6" name="Slide Number Placeholder 5">
-            <a:extLst>
-              <a:ext uri="{FF2B5EF4-FFF2-40B4-BE49-F238E27FC236}">
-                <a16:creationId xmlns:a16="http://schemas.microsoft.com/office/drawing/2014/main" id="{4DF9561A-8E92-4446-9E1A-EB017B47E630}"/>
-              </a:ext>
-            </a:extLst>
-          </p:cNvPr>
+          <p:cNvPr id="6" name="Slide Number Placeholder 5"/>
           <p:cNvSpPr>
             <a:spLocks noGrp="1"/>
           </p:cNvSpPr>
@@ -326,7 +303,7 @@
     </p:spTree>
     <p:extLst>
       <p:ext uri="{BB962C8B-B14F-4D97-AF65-F5344CB8AC3E}">
-        <p14:creationId xmlns:p14="http://schemas.microsoft.com/office/powerpoint/2010/main" val="197842936"/>
+        <p14:creationId xmlns:p14="http://schemas.microsoft.com/office/powerpoint/2010/main" val="1011711154"/>
       </p:ext>
     </p:extLst>
   </p:cSld>
@@ -355,13 +332,7 @@
       </p:grpSpPr>
       <p:sp>
         <p:nvSpPr>
-          <p:cNvPr id="2" name="Title 1">
-            <a:extLst>
-              <a:ext uri="{FF2B5EF4-FFF2-40B4-BE49-F238E27FC236}">
-                <a16:creationId xmlns:a16="http://schemas.microsoft.com/office/drawing/2014/main" id="{46439004-B246-44E2-93CB-B51DA7A23E0C}"/>
-              </a:ext>
-            </a:extLst>
-          </p:cNvPr>
+          <p:cNvPr id="2" name="Title 1"/>
           <p:cNvSpPr>
             <a:spLocks noGrp="1"/>
           </p:cNvSpPr>
@@ -378,18 +349,13 @@
               <a:rPr lang="en-US"/>
               <a:t>Click to edit Master title style</a:t>
             </a:r>
-          </a:p>
-        </p:txBody>
-      </p:sp>
-      <p:sp>
-        <p:nvSpPr>
-          <p:cNvPr id="3" name="Vertical Text Placeholder 2">
-            <a:extLst>
-              <a:ext uri="{FF2B5EF4-FFF2-40B4-BE49-F238E27FC236}">
-                <a16:creationId xmlns:a16="http://schemas.microsoft.com/office/drawing/2014/main" id="{969F57D1-A516-47B7-A219-F2A3983D6F02}"/>
-              </a:ext>
-            </a:extLst>
-          </p:cNvPr>
+            <a:endParaRPr lang="en-US" dirty="0"/>
+          </a:p>
+        </p:txBody>
+      </p:sp>
+      <p:sp>
+        <p:nvSpPr>
+          <p:cNvPr id="3" name="Vertical Text Placeholder 2"/>
           <p:cNvSpPr>
             <a:spLocks noGrp="1"/>
           </p:cNvSpPr>
@@ -435,18 +401,13 @@
               <a:rPr lang="en-US"/>
               <a:t>Fifth level</a:t>
             </a:r>
-          </a:p>
-        </p:txBody>
-      </p:sp>
-      <p:sp>
-        <p:nvSpPr>
-          <p:cNvPr id="4" name="Date Placeholder 3">
-            <a:extLst>
-              <a:ext uri="{FF2B5EF4-FFF2-40B4-BE49-F238E27FC236}">
-                <a16:creationId xmlns:a16="http://schemas.microsoft.com/office/drawing/2014/main" id="{A2EAD6EC-F48C-4C34-9EFA-9449C9684CA0}"/>
-              </a:ext>
-            </a:extLst>
-          </p:cNvPr>
+            <a:endParaRPr lang="en-US" dirty="0"/>
+          </a:p>
+        </p:txBody>
+      </p:sp>
+      <p:sp>
+        <p:nvSpPr>
+          <p:cNvPr id="4" name="Date Placeholder 3"/>
           <p:cNvSpPr>
             <a:spLocks noGrp="1"/>
           </p:cNvSpPr>
@@ -469,13 +430,7 @@
       </p:sp>
       <p:sp>
         <p:nvSpPr>
-          <p:cNvPr id="5" name="Footer Placeholder 4">
-            <a:extLst>
-              <a:ext uri="{FF2B5EF4-FFF2-40B4-BE49-F238E27FC236}">
-                <a16:creationId xmlns:a16="http://schemas.microsoft.com/office/drawing/2014/main" id="{37500DAA-6E77-47C1-8CB3-206EA86337F2}"/>
-              </a:ext>
-            </a:extLst>
-          </p:cNvPr>
+          <p:cNvPr id="5" name="Footer Placeholder 4"/>
           <p:cNvSpPr>
             <a:spLocks noGrp="1"/>
           </p:cNvSpPr>
@@ -494,13 +449,7 @@
       </p:sp>
       <p:sp>
         <p:nvSpPr>
-          <p:cNvPr id="6" name="Slide Number Placeholder 5">
-            <a:extLst>
-              <a:ext uri="{FF2B5EF4-FFF2-40B4-BE49-F238E27FC236}">
-                <a16:creationId xmlns:a16="http://schemas.microsoft.com/office/drawing/2014/main" id="{5EF6153C-6BE0-4F40-8452-B37C8F07548F}"/>
-              </a:ext>
-            </a:extLst>
-          </p:cNvPr>
+          <p:cNvPr id="6" name="Slide Number Placeholder 5"/>
           <p:cNvSpPr>
             <a:spLocks noGrp="1"/>
           </p:cNvSpPr>
@@ -524,7 +473,7 @@
     </p:spTree>
     <p:extLst>
       <p:ext uri="{BB962C8B-B14F-4D97-AF65-F5344CB8AC3E}">
-        <p14:creationId xmlns:p14="http://schemas.microsoft.com/office/powerpoint/2010/main" val="322924951"/>
+        <p14:creationId xmlns:p14="http://schemas.microsoft.com/office/powerpoint/2010/main" val="636796220"/>
       </p:ext>
     </p:extLst>
   </p:cSld>
@@ -553,13 +502,7 @@
       </p:grpSpPr>
       <p:sp>
         <p:nvSpPr>
-          <p:cNvPr id="2" name="Vertical Title 1">
-            <a:extLst>
-              <a:ext uri="{FF2B5EF4-FFF2-40B4-BE49-F238E27FC236}">
-                <a16:creationId xmlns:a16="http://schemas.microsoft.com/office/drawing/2014/main" id="{3E8E2088-5539-476C-9B2D-4F185659B260}"/>
-              </a:ext>
-            </a:extLst>
-          </p:cNvPr>
+          <p:cNvPr id="2" name="Vertical Title 1"/>
           <p:cNvSpPr>
             <a:spLocks noGrp="1"/>
           </p:cNvSpPr>
@@ -581,18 +524,13 @@
               <a:rPr lang="en-US"/>
               <a:t>Click to edit Master title style</a:t>
             </a:r>
-          </a:p>
-        </p:txBody>
-      </p:sp>
-      <p:sp>
-        <p:nvSpPr>
-          <p:cNvPr id="3" name="Vertical Text Placeholder 2">
-            <a:extLst>
-              <a:ext uri="{FF2B5EF4-FFF2-40B4-BE49-F238E27FC236}">
-                <a16:creationId xmlns:a16="http://schemas.microsoft.com/office/drawing/2014/main" id="{F1D549C8-7675-4808-BF8F-64FE6777C0FA}"/>
-              </a:ext>
-            </a:extLst>
-          </p:cNvPr>
+            <a:endParaRPr lang="en-US" dirty="0"/>
+          </a:p>
+        </p:txBody>
+      </p:sp>
+      <p:sp>
+        <p:nvSpPr>
+          <p:cNvPr id="3" name="Vertical Text Placeholder 2"/>
           <p:cNvSpPr>
             <a:spLocks noGrp="1"/>
           </p:cNvSpPr>
@@ -643,18 +581,13 @@
               <a:rPr lang="en-US"/>
               <a:t>Fifth level</a:t>
             </a:r>
-          </a:p>
-        </p:txBody>
-      </p:sp>
-      <p:sp>
-        <p:nvSpPr>
-          <p:cNvPr id="4" name="Date Placeholder 3">
-            <a:extLst>
-              <a:ext uri="{FF2B5EF4-FFF2-40B4-BE49-F238E27FC236}">
-                <a16:creationId xmlns:a16="http://schemas.microsoft.com/office/drawing/2014/main" id="{2EB1C10E-D127-4375-B79A-35A99423801F}"/>
-              </a:ext>
-            </a:extLst>
-          </p:cNvPr>
+            <a:endParaRPr lang="en-US" dirty="0"/>
+          </a:p>
+        </p:txBody>
+      </p:sp>
+      <p:sp>
+        <p:nvSpPr>
+          <p:cNvPr id="4" name="Date Placeholder 3"/>
           <p:cNvSpPr>
             <a:spLocks noGrp="1"/>
           </p:cNvSpPr>
@@ -677,13 +610,7 @@
       </p:sp>
       <p:sp>
         <p:nvSpPr>
-          <p:cNvPr id="5" name="Footer Placeholder 4">
-            <a:extLst>
-              <a:ext uri="{FF2B5EF4-FFF2-40B4-BE49-F238E27FC236}">
-                <a16:creationId xmlns:a16="http://schemas.microsoft.com/office/drawing/2014/main" id="{906AA7ED-46FA-4718-BCAD-67162C7B1C5B}"/>
-              </a:ext>
-            </a:extLst>
-          </p:cNvPr>
+          <p:cNvPr id="5" name="Footer Placeholder 4"/>
           <p:cNvSpPr>
             <a:spLocks noGrp="1"/>
           </p:cNvSpPr>
@@ -702,13 +629,7 @@
       </p:sp>
       <p:sp>
         <p:nvSpPr>
-          <p:cNvPr id="6" name="Slide Number Placeholder 5">
-            <a:extLst>
-              <a:ext uri="{FF2B5EF4-FFF2-40B4-BE49-F238E27FC236}">
-                <a16:creationId xmlns:a16="http://schemas.microsoft.com/office/drawing/2014/main" id="{6A7F8DF9-C4B3-4D44-8B8E-C4DB30B9D9B5}"/>
-              </a:ext>
-            </a:extLst>
-          </p:cNvPr>
+          <p:cNvPr id="6" name="Slide Number Placeholder 5"/>
           <p:cNvSpPr>
             <a:spLocks noGrp="1"/>
           </p:cNvSpPr>
@@ -732,7 +653,7 @@
     </p:spTree>
     <p:extLst>
       <p:ext uri="{BB962C8B-B14F-4D97-AF65-F5344CB8AC3E}">
-        <p14:creationId xmlns:p14="http://schemas.microsoft.com/office/powerpoint/2010/main" val="3689477909"/>
+        <p14:creationId xmlns:p14="http://schemas.microsoft.com/office/powerpoint/2010/main" val="2509796839"/>
       </p:ext>
     </p:extLst>
   </p:cSld>
@@ -761,13 +682,7 @@
       </p:grpSpPr>
       <p:sp>
         <p:nvSpPr>
-          <p:cNvPr id="2" name="Title 1">
-            <a:extLst>
-              <a:ext uri="{FF2B5EF4-FFF2-40B4-BE49-F238E27FC236}">
-                <a16:creationId xmlns:a16="http://schemas.microsoft.com/office/drawing/2014/main" id="{C171C620-132B-4A3E-A91E-FE37FEC76D5E}"/>
-              </a:ext>
-            </a:extLst>
-          </p:cNvPr>
+          <p:cNvPr id="2" name="Title 1"/>
           <p:cNvSpPr>
             <a:spLocks noGrp="1"/>
           </p:cNvSpPr>
@@ -784,18 +699,13 @@
               <a:rPr lang="en-US"/>
               <a:t>Click to edit Master title style</a:t>
             </a:r>
-          </a:p>
-        </p:txBody>
-      </p:sp>
-      <p:sp>
-        <p:nvSpPr>
-          <p:cNvPr id="3" name="Content Placeholder 2">
-            <a:extLst>
-              <a:ext uri="{FF2B5EF4-FFF2-40B4-BE49-F238E27FC236}">
-                <a16:creationId xmlns:a16="http://schemas.microsoft.com/office/drawing/2014/main" id="{03CAD5B5-1158-49BF-800F-9C9B9836B7E3}"/>
-              </a:ext>
-            </a:extLst>
-          </p:cNvPr>
+            <a:endParaRPr lang="en-US" dirty="0"/>
+          </a:p>
+        </p:txBody>
+      </p:sp>
+      <p:sp>
+        <p:nvSpPr>
+          <p:cNvPr id="3" name="Content Placeholder 2"/>
           <p:cNvSpPr>
             <a:spLocks noGrp="1"/>
           </p:cNvSpPr>
@@ -841,18 +751,13 @@
               <a:rPr lang="en-US"/>
               <a:t>Fifth level</a:t>
             </a:r>
-          </a:p>
-        </p:txBody>
-      </p:sp>
-      <p:sp>
-        <p:nvSpPr>
-          <p:cNvPr id="4" name="Date Placeholder 3">
-            <a:extLst>
-              <a:ext uri="{FF2B5EF4-FFF2-40B4-BE49-F238E27FC236}">
-                <a16:creationId xmlns:a16="http://schemas.microsoft.com/office/drawing/2014/main" id="{DE9DDC36-C0C6-4712-B643-4B2FC83E9A1A}"/>
-              </a:ext>
-            </a:extLst>
-          </p:cNvPr>
+            <a:endParaRPr lang="en-US" dirty="0"/>
+          </a:p>
+        </p:txBody>
+      </p:sp>
+      <p:sp>
+        <p:nvSpPr>
+          <p:cNvPr id="4" name="Date Placeholder 3"/>
           <p:cNvSpPr>
             <a:spLocks noGrp="1"/>
           </p:cNvSpPr>
@@ -875,13 +780,7 @@
       </p:sp>
       <p:sp>
         <p:nvSpPr>
-          <p:cNvPr id="5" name="Footer Placeholder 4">
-            <a:extLst>
-              <a:ext uri="{FF2B5EF4-FFF2-40B4-BE49-F238E27FC236}">
-                <a16:creationId xmlns:a16="http://schemas.microsoft.com/office/drawing/2014/main" id="{DDDF44A9-3A92-4814-83EC-9AB0F9B63C32}"/>
-              </a:ext>
-            </a:extLst>
-          </p:cNvPr>
+          <p:cNvPr id="5" name="Footer Placeholder 4"/>
           <p:cNvSpPr>
             <a:spLocks noGrp="1"/>
           </p:cNvSpPr>
@@ -900,13 +799,7 @@
       </p:sp>
       <p:sp>
         <p:nvSpPr>
-          <p:cNvPr id="6" name="Slide Number Placeholder 5">
-            <a:extLst>
-              <a:ext uri="{FF2B5EF4-FFF2-40B4-BE49-F238E27FC236}">
-                <a16:creationId xmlns:a16="http://schemas.microsoft.com/office/drawing/2014/main" id="{D42C19F0-980F-4B4A-A239-A448E61EA676}"/>
-              </a:ext>
-            </a:extLst>
-          </p:cNvPr>
+          <p:cNvPr id="6" name="Slide Number Placeholder 5"/>
           <p:cNvSpPr>
             <a:spLocks noGrp="1"/>
           </p:cNvSpPr>
@@ -930,7 +823,7 @@
     </p:spTree>
     <p:extLst>
       <p:ext uri="{BB962C8B-B14F-4D97-AF65-F5344CB8AC3E}">
-        <p14:creationId xmlns:p14="http://schemas.microsoft.com/office/powerpoint/2010/main" val="1424728122"/>
+        <p14:creationId xmlns:p14="http://schemas.microsoft.com/office/powerpoint/2010/main" val="1524023441"/>
       </p:ext>
     </p:extLst>
   </p:cSld>
@@ -959,13 +852,7 @@
       </p:grpSpPr>
       <p:sp>
         <p:nvSpPr>
-          <p:cNvPr id="2" name="Title 1">
-            <a:extLst>
-              <a:ext uri="{FF2B5EF4-FFF2-40B4-BE49-F238E27FC236}">
-                <a16:creationId xmlns:a16="http://schemas.microsoft.com/office/drawing/2014/main" id="{CB246766-B648-4DBF-A2A8-7639A6C90D88}"/>
-              </a:ext>
-            </a:extLst>
-          </p:cNvPr>
+          <p:cNvPr id="2" name="Title 1"/>
           <p:cNvSpPr>
             <a:spLocks noGrp="1"/>
           </p:cNvSpPr>
@@ -991,18 +878,13 @@
               <a:rPr lang="en-US"/>
               <a:t>Click to edit Master title style</a:t>
             </a:r>
-          </a:p>
-        </p:txBody>
-      </p:sp>
-      <p:sp>
-        <p:nvSpPr>
-          <p:cNvPr id="3" name="Text Placeholder 2">
-            <a:extLst>
-              <a:ext uri="{FF2B5EF4-FFF2-40B4-BE49-F238E27FC236}">
-                <a16:creationId xmlns:a16="http://schemas.microsoft.com/office/drawing/2014/main" id="{821F15D4-93A1-40BA-8E84-BA2F072DF3A2}"/>
-              </a:ext>
-            </a:extLst>
-          </p:cNvPr>
+            <a:endParaRPr lang="en-US" dirty="0"/>
+          </a:p>
+        </p:txBody>
+      </p:sp>
+      <p:sp>
+        <p:nvSpPr>
+          <p:cNvPr id="3" name="Text Placeholder 2"/>
           <p:cNvSpPr>
             <a:spLocks noGrp="1"/>
           </p:cNvSpPr>
@@ -1121,13 +1003,7 @@
       </p:sp>
       <p:sp>
         <p:nvSpPr>
-          <p:cNvPr id="4" name="Date Placeholder 3">
-            <a:extLst>
-              <a:ext uri="{FF2B5EF4-FFF2-40B4-BE49-F238E27FC236}">
-                <a16:creationId xmlns:a16="http://schemas.microsoft.com/office/drawing/2014/main" id="{24799F57-C3EF-49B1-A5A9-939439ED754E}"/>
-              </a:ext>
-            </a:extLst>
-          </p:cNvPr>
+          <p:cNvPr id="4" name="Date Placeholder 3"/>
           <p:cNvSpPr>
             <a:spLocks noGrp="1"/>
           </p:cNvSpPr>
@@ -1150,13 +1026,7 @@
       </p:sp>
       <p:sp>
         <p:nvSpPr>
-          <p:cNvPr id="5" name="Footer Placeholder 4">
-            <a:extLst>
-              <a:ext uri="{FF2B5EF4-FFF2-40B4-BE49-F238E27FC236}">
-                <a16:creationId xmlns:a16="http://schemas.microsoft.com/office/drawing/2014/main" id="{943CEA1E-D89D-4DF0-810D-7AD71FF499FB}"/>
-              </a:ext>
-            </a:extLst>
-          </p:cNvPr>
+          <p:cNvPr id="5" name="Footer Placeholder 4"/>
           <p:cNvSpPr>
             <a:spLocks noGrp="1"/>
           </p:cNvSpPr>
@@ -1175,13 +1045,7 @@
       </p:sp>
       <p:sp>
         <p:nvSpPr>
-          <p:cNvPr id="6" name="Slide Number Placeholder 5">
-            <a:extLst>
-              <a:ext uri="{FF2B5EF4-FFF2-40B4-BE49-F238E27FC236}">
-                <a16:creationId xmlns:a16="http://schemas.microsoft.com/office/drawing/2014/main" id="{4894C33D-D840-4262-97CA-8E30E247C2B7}"/>
-              </a:ext>
-            </a:extLst>
-          </p:cNvPr>
+          <p:cNvPr id="6" name="Slide Number Placeholder 5"/>
           <p:cNvSpPr>
             <a:spLocks noGrp="1"/>
           </p:cNvSpPr>
@@ -1205,7 +1069,7 @@
     </p:spTree>
     <p:extLst>
       <p:ext uri="{BB962C8B-B14F-4D97-AF65-F5344CB8AC3E}">
-        <p14:creationId xmlns:p14="http://schemas.microsoft.com/office/powerpoint/2010/main" val="4093465015"/>
+        <p14:creationId xmlns:p14="http://schemas.microsoft.com/office/powerpoint/2010/main" val="1018473930"/>
       </p:ext>
     </p:extLst>
   </p:cSld>
@@ -1234,13 +1098,7 @@
       </p:grpSpPr>
       <p:sp>
         <p:nvSpPr>
-          <p:cNvPr id="2" name="Title 1">
-            <a:extLst>
-              <a:ext uri="{FF2B5EF4-FFF2-40B4-BE49-F238E27FC236}">
-                <a16:creationId xmlns:a16="http://schemas.microsoft.com/office/drawing/2014/main" id="{D4162777-615C-48A9-BB26-4F3E313A8C67}"/>
-              </a:ext>
-            </a:extLst>
-          </p:cNvPr>
+          <p:cNvPr id="2" name="Title 1"/>
           <p:cNvSpPr>
             <a:spLocks noGrp="1"/>
           </p:cNvSpPr>
@@ -1257,18 +1115,13 @@
               <a:rPr lang="en-US"/>
               <a:t>Click to edit Master title style</a:t>
             </a:r>
-          </a:p>
-        </p:txBody>
-      </p:sp>
-      <p:sp>
-        <p:nvSpPr>
-          <p:cNvPr id="3" name="Content Placeholder 2">
-            <a:extLst>
-              <a:ext uri="{FF2B5EF4-FFF2-40B4-BE49-F238E27FC236}">
-                <a16:creationId xmlns:a16="http://schemas.microsoft.com/office/drawing/2014/main" id="{952BB7C9-AA08-4E68-A8C3-7BDC619585ED}"/>
-              </a:ext>
-            </a:extLst>
-          </p:cNvPr>
+            <a:endParaRPr lang="en-US" dirty="0"/>
+          </a:p>
+        </p:txBody>
+      </p:sp>
+      <p:sp>
+        <p:nvSpPr>
+          <p:cNvPr id="3" name="Content Placeholder 2"/>
           <p:cNvSpPr>
             <a:spLocks noGrp="1"/>
           </p:cNvSpPr>
@@ -1319,18 +1172,13 @@
               <a:rPr lang="en-US"/>
               <a:t>Fifth level</a:t>
             </a:r>
-          </a:p>
-        </p:txBody>
-      </p:sp>
-      <p:sp>
-        <p:nvSpPr>
-          <p:cNvPr id="4" name="Content Placeholder 3">
-            <a:extLst>
-              <a:ext uri="{FF2B5EF4-FFF2-40B4-BE49-F238E27FC236}">
-                <a16:creationId xmlns:a16="http://schemas.microsoft.com/office/drawing/2014/main" id="{CEE80FA6-DA38-4FB6-9E76-E30DD579FA9F}"/>
-              </a:ext>
-            </a:extLst>
-          </p:cNvPr>
+            <a:endParaRPr lang="en-US" dirty="0"/>
+          </a:p>
+        </p:txBody>
+      </p:sp>
+      <p:sp>
+        <p:nvSpPr>
+          <p:cNvPr id="4" name="Content Placeholder 3"/>
           <p:cNvSpPr>
             <a:spLocks noGrp="1"/>
           </p:cNvSpPr>
@@ -1381,18 +1229,13 @@
               <a:rPr lang="en-US"/>
               <a:t>Fifth level</a:t>
             </a:r>
-          </a:p>
-        </p:txBody>
-      </p:sp>
-      <p:sp>
-        <p:nvSpPr>
-          <p:cNvPr id="5" name="Date Placeholder 4">
-            <a:extLst>
-              <a:ext uri="{FF2B5EF4-FFF2-40B4-BE49-F238E27FC236}">
-                <a16:creationId xmlns:a16="http://schemas.microsoft.com/office/drawing/2014/main" id="{8992BAAF-FA7A-470A-9920-8850AA2EEC2C}"/>
-              </a:ext>
-            </a:extLst>
-          </p:cNvPr>
+            <a:endParaRPr lang="en-US" dirty="0"/>
+          </a:p>
+        </p:txBody>
+      </p:sp>
+      <p:sp>
+        <p:nvSpPr>
+          <p:cNvPr id="5" name="Date Placeholder 4"/>
           <p:cNvSpPr>
             <a:spLocks noGrp="1"/>
           </p:cNvSpPr>
@@ -1415,13 +1258,7 @@
       </p:sp>
       <p:sp>
         <p:nvSpPr>
-          <p:cNvPr id="6" name="Footer Placeholder 5">
-            <a:extLst>
-              <a:ext uri="{FF2B5EF4-FFF2-40B4-BE49-F238E27FC236}">
-                <a16:creationId xmlns:a16="http://schemas.microsoft.com/office/drawing/2014/main" id="{E3FC4D81-B3A1-4A29-9F97-29046FA8F746}"/>
-              </a:ext>
-            </a:extLst>
-          </p:cNvPr>
+          <p:cNvPr id="6" name="Footer Placeholder 5"/>
           <p:cNvSpPr>
             <a:spLocks noGrp="1"/>
           </p:cNvSpPr>
@@ -1440,13 +1277,7 @@
       </p:sp>
       <p:sp>
         <p:nvSpPr>
-          <p:cNvPr id="7" name="Slide Number Placeholder 6">
-            <a:extLst>
-              <a:ext uri="{FF2B5EF4-FFF2-40B4-BE49-F238E27FC236}">
-                <a16:creationId xmlns:a16="http://schemas.microsoft.com/office/drawing/2014/main" id="{5B162ADF-8812-4EDE-992B-6A0D26ADD876}"/>
-              </a:ext>
-            </a:extLst>
-          </p:cNvPr>
+          <p:cNvPr id="7" name="Slide Number Placeholder 6"/>
           <p:cNvSpPr>
             <a:spLocks noGrp="1"/>
           </p:cNvSpPr>
@@ -1470,7 +1301,7 @@
     </p:spTree>
     <p:extLst>
       <p:ext uri="{BB962C8B-B14F-4D97-AF65-F5344CB8AC3E}">
-        <p14:creationId xmlns:p14="http://schemas.microsoft.com/office/powerpoint/2010/main" val="2369380020"/>
+        <p14:creationId xmlns:p14="http://schemas.microsoft.com/office/powerpoint/2010/main" val="579242322"/>
       </p:ext>
     </p:extLst>
   </p:cSld>
@@ -1499,13 +1330,7 @@
       </p:grpSpPr>
       <p:sp>
         <p:nvSpPr>
-          <p:cNvPr id="2" name="Title 1">
-            <a:extLst>
-              <a:ext uri="{FF2B5EF4-FFF2-40B4-BE49-F238E27FC236}">
-                <a16:creationId xmlns:a16="http://schemas.microsoft.com/office/drawing/2014/main" id="{DF8C4EE6-4E6C-4D90-B448-DC3A8D5D15AE}"/>
-              </a:ext>
-            </a:extLst>
-          </p:cNvPr>
+          <p:cNvPr id="2" name="Title 1"/>
           <p:cNvSpPr>
             <a:spLocks noGrp="1"/>
           </p:cNvSpPr>
@@ -1527,18 +1352,13 @@
               <a:rPr lang="en-US"/>
               <a:t>Click to edit Master title style</a:t>
             </a:r>
-          </a:p>
-        </p:txBody>
-      </p:sp>
-      <p:sp>
-        <p:nvSpPr>
-          <p:cNvPr id="3" name="Text Placeholder 2">
-            <a:extLst>
-              <a:ext uri="{FF2B5EF4-FFF2-40B4-BE49-F238E27FC236}">
-                <a16:creationId xmlns:a16="http://schemas.microsoft.com/office/drawing/2014/main" id="{1C325C54-9753-4F86-ADEC-F8AE0875D45D}"/>
-              </a:ext>
-            </a:extLst>
-          </p:cNvPr>
+            <a:endParaRPr lang="en-US" dirty="0"/>
+          </a:p>
+        </p:txBody>
+      </p:sp>
+      <p:sp>
+        <p:nvSpPr>
+          <p:cNvPr id="3" name="Text Placeholder 2"/>
           <p:cNvSpPr>
             <a:spLocks noGrp="1"/>
           </p:cNvSpPr>
@@ -1603,13 +1423,7 @@
       </p:sp>
       <p:sp>
         <p:nvSpPr>
-          <p:cNvPr id="4" name="Content Placeholder 3">
-            <a:extLst>
-              <a:ext uri="{FF2B5EF4-FFF2-40B4-BE49-F238E27FC236}">
-                <a16:creationId xmlns:a16="http://schemas.microsoft.com/office/drawing/2014/main" id="{52BF1957-4EB2-454C-A997-D6744E287383}"/>
-              </a:ext>
-            </a:extLst>
-          </p:cNvPr>
+          <p:cNvPr id="4" name="Content Placeholder 3"/>
           <p:cNvSpPr>
             <a:spLocks noGrp="1"/>
           </p:cNvSpPr>
@@ -1660,18 +1474,13 @@
               <a:rPr lang="en-US"/>
               <a:t>Fifth level</a:t>
             </a:r>
-          </a:p>
-        </p:txBody>
-      </p:sp>
-      <p:sp>
-        <p:nvSpPr>
-          <p:cNvPr id="5" name="Text Placeholder 4">
-            <a:extLst>
-              <a:ext uri="{FF2B5EF4-FFF2-40B4-BE49-F238E27FC236}">
-                <a16:creationId xmlns:a16="http://schemas.microsoft.com/office/drawing/2014/main" id="{9739AA28-7283-4A9E-AEE0-BE1CE142C098}"/>
-              </a:ext>
-            </a:extLst>
-          </p:cNvPr>
+            <a:endParaRPr lang="en-US" dirty="0"/>
+          </a:p>
+        </p:txBody>
+      </p:sp>
+      <p:sp>
+        <p:nvSpPr>
+          <p:cNvPr id="5" name="Text Placeholder 4"/>
           <p:cNvSpPr>
             <a:spLocks noGrp="1"/>
           </p:cNvSpPr>
@@ -1736,13 +1545,7 @@
       </p:sp>
       <p:sp>
         <p:nvSpPr>
-          <p:cNvPr id="6" name="Content Placeholder 5">
-            <a:extLst>
-              <a:ext uri="{FF2B5EF4-FFF2-40B4-BE49-F238E27FC236}">
-                <a16:creationId xmlns:a16="http://schemas.microsoft.com/office/drawing/2014/main" id="{163F76A5-15DE-47D0-ABD1-51535F013861}"/>
-              </a:ext>
-            </a:extLst>
-          </p:cNvPr>
+          <p:cNvPr id="6" name="Content Placeholder 5"/>
           <p:cNvSpPr>
             <a:spLocks noGrp="1"/>
           </p:cNvSpPr>
@@ -1793,18 +1596,13 @@
               <a:rPr lang="en-US"/>
               <a:t>Fifth level</a:t>
             </a:r>
-          </a:p>
-        </p:txBody>
-      </p:sp>
-      <p:sp>
-        <p:nvSpPr>
-          <p:cNvPr id="7" name="Date Placeholder 6">
-            <a:extLst>
-              <a:ext uri="{FF2B5EF4-FFF2-40B4-BE49-F238E27FC236}">
-                <a16:creationId xmlns:a16="http://schemas.microsoft.com/office/drawing/2014/main" id="{74E1A294-C1A9-4677-8B45-53FCD840A687}"/>
-              </a:ext>
-            </a:extLst>
-          </p:cNvPr>
+            <a:endParaRPr lang="en-US" dirty="0"/>
+          </a:p>
+        </p:txBody>
+      </p:sp>
+      <p:sp>
+        <p:nvSpPr>
+          <p:cNvPr id="7" name="Date Placeholder 6"/>
           <p:cNvSpPr>
             <a:spLocks noGrp="1"/>
           </p:cNvSpPr>
@@ -1827,13 +1625,7 @@
       </p:sp>
       <p:sp>
         <p:nvSpPr>
-          <p:cNvPr id="8" name="Footer Placeholder 7">
-            <a:extLst>
-              <a:ext uri="{FF2B5EF4-FFF2-40B4-BE49-F238E27FC236}">
-                <a16:creationId xmlns:a16="http://schemas.microsoft.com/office/drawing/2014/main" id="{28F783FF-99B7-404B-8978-17E6FCB07E06}"/>
-              </a:ext>
-            </a:extLst>
-          </p:cNvPr>
+          <p:cNvPr id="8" name="Footer Placeholder 7"/>
           <p:cNvSpPr>
             <a:spLocks noGrp="1"/>
           </p:cNvSpPr>
@@ -1852,13 +1644,7 @@
       </p:sp>
       <p:sp>
         <p:nvSpPr>
-          <p:cNvPr id="9" name="Slide Number Placeholder 8">
-            <a:extLst>
-              <a:ext uri="{FF2B5EF4-FFF2-40B4-BE49-F238E27FC236}">
-                <a16:creationId xmlns:a16="http://schemas.microsoft.com/office/drawing/2014/main" id="{1903964C-EB84-4F00-8A62-4EB9AEAD97C0}"/>
-              </a:ext>
-            </a:extLst>
-          </p:cNvPr>
+          <p:cNvPr id="9" name="Slide Number Placeholder 8"/>
           <p:cNvSpPr>
             <a:spLocks noGrp="1"/>
           </p:cNvSpPr>
@@ -1882,7 +1668,7 @@
     </p:spTree>
     <p:extLst>
       <p:ext uri="{BB962C8B-B14F-4D97-AF65-F5344CB8AC3E}">
-        <p14:creationId xmlns:p14="http://schemas.microsoft.com/office/powerpoint/2010/main" val="339196067"/>
+        <p14:creationId xmlns:p14="http://schemas.microsoft.com/office/powerpoint/2010/main" val="281691783"/>
       </p:ext>
     </p:extLst>
   </p:cSld>
@@ -1911,13 +1697,7 @@
       </p:grpSpPr>
       <p:sp>
         <p:nvSpPr>
-          <p:cNvPr id="2" name="Title 1">
-            <a:extLst>
-              <a:ext uri="{FF2B5EF4-FFF2-40B4-BE49-F238E27FC236}">
-                <a16:creationId xmlns:a16="http://schemas.microsoft.com/office/drawing/2014/main" id="{1FC4CD7A-22EA-464F-BD87-FF97BC67563A}"/>
-              </a:ext>
-            </a:extLst>
-          </p:cNvPr>
+          <p:cNvPr id="2" name="Title 1"/>
           <p:cNvSpPr>
             <a:spLocks noGrp="1"/>
           </p:cNvSpPr>
@@ -1934,18 +1714,13 @@
               <a:rPr lang="en-US"/>
               <a:t>Click to edit Master title style</a:t>
             </a:r>
-          </a:p>
-        </p:txBody>
-      </p:sp>
-      <p:sp>
-        <p:nvSpPr>
-          <p:cNvPr id="3" name="Date Placeholder 2">
-            <a:extLst>
-              <a:ext uri="{FF2B5EF4-FFF2-40B4-BE49-F238E27FC236}">
-                <a16:creationId xmlns:a16="http://schemas.microsoft.com/office/drawing/2014/main" id="{21D52C6F-E868-4E28-8336-17CFD36850A1}"/>
-              </a:ext>
-            </a:extLst>
-          </p:cNvPr>
+            <a:endParaRPr lang="en-US" dirty="0"/>
+          </a:p>
+        </p:txBody>
+      </p:sp>
+      <p:sp>
+        <p:nvSpPr>
+          <p:cNvPr id="3" name="Date Placeholder 2"/>
           <p:cNvSpPr>
             <a:spLocks noGrp="1"/>
           </p:cNvSpPr>
@@ -1968,13 +1743,7 @@
       </p:sp>
       <p:sp>
         <p:nvSpPr>
-          <p:cNvPr id="4" name="Footer Placeholder 3">
-            <a:extLst>
-              <a:ext uri="{FF2B5EF4-FFF2-40B4-BE49-F238E27FC236}">
-                <a16:creationId xmlns:a16="http://schemas.microsoft.com/office/drawing/2014/main" id="{33B0E45E-4CDD-43AA-BEFB-99607F294CC7}"/>
-              </a:ext>
-            </a:extLst>
-          </p:cNvPr>
+          <p:cNvPr id="4" name="Footer Placeholder 3"/>
           <p:cNvSpPr>
             <a:spLocks noGrp="1"/>
           </p:cNvSpPr>
@@ -1993,13 +1762,7 @@
       </p:sp>
       <p:sp>
         <p:nvSpPr>
-          <p:cNvPr id="5" name="Slide Number Placeholder 4">
-            <a:extLst>
-              <a:ext uri="{FF2B5EF4-FFF2-40B4-BE49-F238E27FC236}">
-                <a16:creationId xmlns:a16="http://schemas.microsoft.com/office/drawing/2014/main" id="{BEF987F8-72C1-4B30-A343-453D9E5E2F52}"/>
-              </a:ext>
-            </a:extLst>
-          </p:cNvPr>
+          <p:cNvPr id="5" name="Slide Number Placeholder 4"/>
           <p:cNvSpPr>
             <a:spLocks noGrp="1"/>
           </p:cNvSpPr>
@@ -2023,7 +1786,7 @@
     </p:spTree>
     <p:extLst>
       <p:ext uri="{BB962C8B-B14F-4D97-AF65-F5344CB8AC3E}">
-        <p14:creationId xmlns:p14="http://schemas.microsoft.com/office/powerpoint/2010/main" val="223711592"/>
+        <p14:creationId xmlns:p14="http://schemas.microsoft.com/office/powerpoint/2010/main" val="1298210739"/>
       </p:ext>
     </p:extLst>
   </p:cSld>
@@ -2052,13 +1815,7 @@
       </p:grpSpPr>
       <p:sp>
         <p:nvSpPr>
-          <p:cNvPr id="2" name="Date Placeholder 1">
-            <a:extLst>
-              <a:ext uri="{FF2B5EF4-FFF2-40B4-BE49-F238E27FC236}">
-                <a16:creationId xmlns:a16="http://schemas.microsoft.com/office/drawing/2014/main" id="{396B9988-59E4-4FA1-BCEC-B4785004553C}"/>
-              </a:ext>
-            </a:extLst>
-          </p:cNvPr>
+          <p:cNvPr id="2" name="Date Placeholder 1"/>
           <p:cNvSpPr>
             <a:spLocks noGrp="1"/>
           </p:cNvSpPr>
@@ -2081,13 +1838,7 @@
       </p:sp>
       <p:sp>
         <p:nvSpPr>
-          <p:cNvPr id="3" name="Footer Placeholder 2">
-            <a:extLst>
-              <a:ext uri="{FF2B5EF4-FFF2-40B4-BE49-F238E27FC236}">
-                <a16:creationId xmlns:a16="http://schemas.microsoft.com/office/drawing/2014/main" id="{370A2E33-619E-41F5-9665-0D5326B7B261}"/>
-              </a:ext>
-            </a:extLst>
-          </p:cNvPr>
+          <p:cNvPr id="3" name="Footer Placeholder 2"/>
           <p:cNvSpPr>
             <a:spLocks noGrp="1"/>
           </p:cNvSpPr>
@@ -2106,13 +1857,7 @@
       </p:sp>
       <p:sp>
         <p:nvSpPr>
-          <p:cNvPr id="4" name="Slide Number Placeholder 3">
-            <a:extLst>
-              <a:ext uri="{FF2B5EF4-FFF2-40B4-BE49-F238E27FC236}">
-                <a16:creationId xmlns:a16="http://schemas.microsoft.com/office/drawing/2014/main" id="{76881F14-DB8E-4238-B6B9-02031C6B34C9}"/>
-              </a:ext>
-            </a:extLst>
-          </p:cNvPr>
+          <p:cNvPr id="4" name="Slide Number Placeholder 3"/>
           <p:cNvSpPr>
             <a:spLocks noGrp="1"/>
           </p:cNvSpPr>
@@ -2136,7 +1881,7 @@
     </p:spTree>
     <p:extLst>
       <p:ext uri="{BB962C8B-B14F-4D97-AF65-F5344CB8AC3E}">
-        <p14:creationId xmlns:p14="http://schemas.microsoft.com/office/powerpoint/2010/main" val="876575915"/>
+        <p14:creationId xmlns:p14="http://schemas.microsoft.com/office/powerpoint/2010/main" val="1040082999"/>
       </p:ext>
     </p:extLst>
   </p:cSld>
@@ -2165,13 +1910,7 @@
       </p:grpSpPr>
       <p:sp>
         <p:nvSpPr>
-          <p:cNvPr id="2" name="Title 1">
-            <a:extLst>
-              <a:ext uri="{FF2B5EF4-FFF2-40B4-BE49-F238E27FC236}">
-                <a16:creationId xmlns:a16="http://schemas.microsoft.com/office/drawing/2014/main" id="{3CBDF4D5-E3CD-4F3B-8AC9-817341D0D7DF}"/>
-              </a:ext>
-            </a:extLst>
-          </p:cNvPr>
+          <p:cNvPr id="2" name="Title 1"/>
           <p:cNvSpPr>
             <a:spLocks noGrp="1"/>
           </p:cNvSpPr>
@@ -2197,18 +1936,13 @@
               <a:rPr lang="en-US"/>
               <a:t>Click to edit Master title style</a:t>
             </a:r>
-          </a:p>
-        </p:txBody>
-      </p:sp>
-      <p:sp>
-        <p:nvSpPr>
-          <p:cNvPr id="3" name="Content Placeholder 2">
-            <a:extLst>
-              <a:ext uri="{FF2B5EF4-FFF2-40B4-BE49-F238E27FC236}">
-                <a16:creationId xmlns:a16="http://schemas.microsoft.com/office/drawing/2014/main" id="{D1BEA0F8-A14E-444D-95AC-85DD439241A6}"/>
-              </a:ext>
-            </a:extLst>
-          </p:cNvPr>
+            <a:endParaRPr lang="en-US" dirty="0"/>
+          </a:p>
+        </p:txBody>
+      </p:sp>
+      <p:sp>
+        <p:nvSpPr>
+          <p:cNvPr id="3" name="Content Placeholder 2"/>
           <p:cNvSpPr>
             <a:spLocks noGrp="1"/>
           </p:cNvSpPr>
@@ -2287,18 +2021,13 @@
               <a:rPr lang="en-US"/>
               <a:t>Fifth level</a:t>
             </a:r>
-          </a:p>
-        </p:txBody>
-      </p:sp>
-      <p:sp>
-        <p:nvSpPr>
-          <p:cNvPr id="4" name="Text Placeholder 3">
-            <a:extLst>
-              <a:ext uri="{FF2B5EF4-FFF2-40B4-BE49-F238E27FC236}">
-                <a16:creationId xmlns:a16="http://schemas.microsoft.com/office/drawing/2014/main" id="{CB66A90C-3153-4783-AF18-393E510A43B1}"/>
-              </a:ext>
-            </a:extLst>
-          </p:cNvPr>
+            <a:endParaRPr lang="en-US" dirty="0"/>
+          </a:p>
+        </p:txBody>
+      </p:sp>
+      <p:sp>
+        <p:nvSpPr>
+          <p:cNvPr id="4" name="Text Placeholder 3"/>
           <p:cNvSpPr>
             <a:spLocks noGrp="1"/>
           </p:cNvSpPr>
@@ -2363,13 +2092,7 @@
       </p:sp>
       <p:sp>
         <p:nvSpPr>
-          <p:cNvPr id="5" name="Date Placeholder 4">
-            <a:extLst>
-              <a:ext uri="{FF2B5EF4-FFF2-40B4-BE49-F238E27FC236}">
-                <a16:creationId xmlns:a16="http://schemas.microsoft.com/office/drawing/2014/main" id="{A4F58451-EED6-466B-9A08-ED625C96A030}"/>
-              </a:ext>
-            </a:extLst>
-          </p:cNvPr>
+          <p:cNvPr id="5" name="Date Placeholder 4"/>
           <p:cNvSpPr>
             <a:spLocks noGrp="1"/>
           </p:cNvSpPr>
@@ -2392,13 +2115,7 @@
       </p:sp>
       <p:sp>
         <p:nvSpPr>
-          <p:cNvPr id="6" name="Footer Placeholder 5">
-            <a:extLst>
-              <a:ext uri="{FF2B5EF4-FFF2-40B4-BE49-F238E27FC236}">
-                <a16:creationId xmlns:a16="http://schemas.microsoft.com/office/drawing/2014/main" id="{592D9670-F818-4D26-BF1F-E624B10956B1}"/>
-              </a:ext>
-            </a:extLst>
-          </p:cNvPr>
+          <p:cNvPr id="6" name="Footer Placeholder 5"/>
           <p:cNvSpPr>
             <a:spLocks noGrp="1"/>
           </p:cNvSpPr>
@@ -2417,13 +2134,7 @@
       </p:sp>
       <p:sp>
         <p:nvSpPr>
-          <p:cNvPr id="7" name="Slide Number Placeholder 6">
-            <a:extLst>
-              <a:ext uri="{FF2B5EF4-FFF2-40B4-BE49-F238E27FC236}">
-                <a16:creationId xmlns:a16="http://schemas.microsoft.com/office/drawing/2014/main" id="{493C95D4-D4C5-4F9C-B0E8-1897BA013FF8}"/>
-              </a:ext>
-            </a:extLst>
-          </p:cNvPr>
+          <p:cNvPr id="7" name="Slide Number Placeholder 6"/>
           <p:cNvSpPr>
             <a:spLocks noGrp="1"/>
           </p:cNvSpPr>
@@ -2447,7 +2158,7 @@
     </p:spTree>
     <p:extLst>
       <p:ext uri="{BB962C8B-B14F-4D97-AF65-F5344CB8AC3E}">
-        <p14:creationId xmlns:p14="http://schemas.microsoft.com/office/powerpoint/2010/main" val="1780300593"/>
+        <p14:creationId xmlns:p14="http://schemas.microsoft.com/office/powerpoint/2010/main" val="2693460025"/>
       </p:ext>
     </p:extLst>
   </p:cSld>
@@ -2476,13 +2187,7 @@
       </p:grpSpPr>
       <p:sp>
         <p:nvSpPr>
-          <p:cNvPr id="2" name="Title 1">
-            <a:extLst>
-              <a:ext uri="{FF2B5EF4-FFF2-40B4-BE49-F238E27FC236}">
-                <a16:creationId xmlns:a16="http://schemas.microsoft.com/office/drawing/2014/main" id="{7AF8BC58-3812-4A8B-96ED-03132AC7E3C5}"/>
-              </a:ext>
-            </a:extLst>
-          </p:cNvPr>
+          <p:cNvPr id="2" name="Title 1"/>
           <p:cNvSpPr>
             <a:spLocks noGrp="1"/>
           </p:cNvSpPr>
@@ -2508,20 +2213,15 @@
               <a:rPr lang="en-US"/>
               <a:t>Click to edit Master title style</a:t>
             </a:r>
-          </a:p>
-        </p:txBody>
-      </p:sp>
-      <p:sp>
-        <p:nvSpPr>
-          <p:cNvPr id="3" name="Picture Placeholder 2">
-            <a:extLst>
-              <a:ext uri="{FF2B5EF4-FFF2-40B4-BE49-F238E27FC236}">
-                <a16:creationId xmlns:a16="http://schemas.microsoft.com/office/drawing/2014/main" id="{AFF16AE2-880A-4A18-AE9C-1101B617EE5F}"/>
-              </a:ext>
-            </a:extLst>
-          </p:cNvPr>
-          <p:cNvSpPr>
-            <a:spLocks noGrp="1"/>
+            <a:endParaRPr lang="en-US" dirty="0"/>
+          </a:p>
+        </p:txBody>
+      </p:sp>
+      <p:sp>
+        <p:nvSpPr>
+          <p:cNvPr id="3" name="Picture Placeholder 2"/>
+          <p:cNvSpPr>
+            <a:spLocks noGrp="1" noChangeAspect="1"/>
           </p:cNvSpPr>
           <p:nvPr>
             <p:ph type="pic" idx="1"/>
@@ -2534,7 +2234,7 @@
           </a:xfrm>
         </p:spPr>
         <p:txBody>
-          <a:bodyPr/>
+          <a:bodyPr anchor="t"/>
           <a:lstStyle>
             <a:lvl1pPr marL="0" indent="0">
               <a:buNone/>
@@ -2574,19 +2274,17 @@
             </a:lvl9pPr>
           </a:lstStyle>
           <a:p>
-            <a:endParaRPr lang="en-US"/>
-          </a:p>
-        </p:txBody>
-      </p:sp>
-      <p:sp>
-        <p:nvSpPr>
-          <p:cNvPr id="4" name="Text Placeholder 3">
-            <a:extLst>
-              <a:ext uri="{FF2B5EF4-FFF2-40B4-BE49-F238E27FC236}">
-                <a16:creationId xmlns:a16="http://schemas.microsoft.com/office/drawing/2014/main" id="{3F34DD66-C7D1-40F2-B621-A8F7BFC0FF09}"/>
-              </a:ext>
-            </a:extLst>
-          </p:cNvPr>
+            <a:r>
+              <a:rPr lang="en-US"/>
+              <a:t>Click icon to add picture</a:t>
+            </a:r>
+            <a:endParaRPr lang="en-US" dirty="0"/>
+          </a:p>
+        </p:txBody>
+      </p:sp>
+      <p:sp>
+        <p:nvSpPr>
+          <p:cNvPr id="4" name="Text Placeholder 3"/>
           <p:cNvSpPr>
             <a:spLocks noGrp="1"/>
           </p:cNvSpPr>
@@ -2651,13 +2349,7 @@
       </p:sp>
       <p:sp>
         <p:nvSpPr>
-          <p:cNvPr id="5" name="Date Placeholder 4">
-            <a:extLst>
-              <a:ext uri="{FF2B5EF4-FFF2-40B4-BE49-F238E27FC236}">
-                <a16:creationId xmlns:a16="http://schemas.microsoft.com/office/drawing/2014/main" id="{69A95335-DDAA-4D66-BFBB-14C9389224D2}"/>
-              </a:ext>
-            </a:extLst>
-          </p:cNvPr>
+          <p:cNvPr id="5" name="Date Placeholder 4"/>
           <p:cNvSpPr>
             <a:spLocks noGrp="1"/>
           </p:cNvSpPr>
@@ -2680,13 +2372,7 @@
       </p:sp>
       <p:sp>
         <p:nvSpPr>
-          <p:cNvPr id="6" name="Footer Placeholder 5">
-            <a:extLst>
-              <a:ext uri="{FF2B5EF4-FFF2-40B4-BE49-F238E27FC236}">
-                <a16:creationId xmlns:a16="http://schemas.microsoft.com/office/drawing/2014/main" id="{CBDFFFBF-8734-4ABA-BD56-C80A19F14EFC}"/>
-              </a:ext>
-            </a:extLst>
-          </p:cNvPr>
+          <p:cNvPr id="6" name="Footer Placeholder 5"/>
           <p:cNvSpPr>
             <a:spLocks noGrp="1"/>
           </p:cNvSpPr>
@@ -2705,13 +2391,7 @@
       </p:sp>
       <p:sp>
         <p:nvSpPr>
-          <p:cNvPr id="7" name="Slide Number Placeholder 6">
-            <a:extLst>
-              <a:ext uri="{FF2B5EF4-FFF2-40B4-BE49-F238E27FC236}">
-                <a16:creationId xmlns:a16="http://schemas.microsoft.com/office/drawing/2014/main" id="{635FC6E3-4AC6-41CF-840F-85D48543F28A}"/>
-              </a:ext>
-            </a:extLst>
-          </p:cNvPr>
+          <p:cNvPr id="7" name="Slide Number Placeholder 6"/>
           <p:cNvSpPr>
             <a:spLocks noGrp="1"/>
           </p:cNvSpPr>
@@ -2735,7 +2415,7 @@
     </p:spTree>
     <p:extLst>
       <p:ext uri="{BB962C8B-B14F-4D97-AF65-F5344CB8AC3E}">
-        <p14:creationId xmlns:p14="http://schemas.microsoft.com/office/powerpoint/2010/main" val="3381062117"/>
+        <p14:creationId xmlns:p14="http://schemas.microsoft.com/office/powerpoint/2010/main" val="3418989674"/>
       </p:ext>
     </p:extLst>
   </p:cSld>
@@ -2769,13 +2449,7 @@
       </p:grpSpPr>
       <p:sp>
         <p:nvSpPr>
-          <p:cNvPr id="2" name="Title Placeholder 1">
-            <a:extLst>
-              <a:ext uri="{FF2B5EF4-FFF2-40B4-BE49-F238E27FC236}">
-                <a16:creationId xmlns:a16="http://schemas.microsoft.com/office/drawing/2014/main" id="{EC0F2DF0-82E3-4B74-B7F3-804A898BE3C7}"/>
-              </a:ext>
-            </a:extLst>
-          </p:cNvPr>
+          <p:cNvPr id="2" name="Title Placeholder 1"/>
           <p:cNvSpPr>
             <a:spLocks noGrp="1"/>
           </p:cNvSpPr>
@@ -2802,18 +2476,13 @@
               <a:rPr lang="en-US"/>
               <a:t>Click to edit Master title style</a:t>
             </a:r>
-          </a:p>
-        </p:txBody>
-      </p:sp>
-      <p:sp>
-        <p:nvSpPr>
-          <p:cNvPr id="3" name="Text Placeholder 2">
-            <a:extLst>
-              <a:ext uri="{FF2B5EF4-FFF2-40B4-BE49-F238E27FC236}">
-                <a16:creationId xmlns:a16="http://schemas.microsoft.com/office/drawing/2014/main" id="{67A2FCF5-D039-4A22-B9B7-4F0B68F9DA96}"/>
-              </a:ext>
-            </a:extLst>
-          </p:cNvPr>
+            <a:endParaRPr lang="en-US" dirty="0"/>
+          </a:p>
+        </p:txBody>
+      </p:sp>
+      <p:sp>
+        <p:nvSpPr>
+          <p:cNvPr id="3" name="Text Placeholder 2"/>
           <p:cNvSpPr>
             <a:spLocks noGrp="1"/>
           </p:cNvSpPr>
@@ -2869,18 +2538,13 @@
               <a:rPr lang="en-US"/>
               <a:t>Fifth level</a:t>
             </a:r>
-          </a:p>
-        </p:txBody>
-      </p:sp>
-      <p:sp>
-        <p:nvSpPr>
-          <p:cNvPr id="4" name="Date Placeholder 3">
-            <a:extLst>
-              <a:ext uri="{FF2B5EF4-FFF2-40B4-BE49-F238E27FC236}">
-                <a16:creationId xmlns:a16="http://schemas.microsoft.com/office/drawing/2014/main" id="{6048EAC6-C2C6-483E-B7D5-E8457647EB68}"/>
-              </a:ext>
-            </a:extLst>
-          </p:cNvPr>
+            <a:endParaRPr lang="en-US" dirty="0"/>
+          </a:p>
+        </p:txBody>
+      </p:sp>
+      <p:sp>
+        <p:nvSpPr>
+          <p:cNvPr id="4" name="Date Placeholder 3"/>
           <p:cNvSpPr>
             <a:spLocks noGrp="1"/>
           </p:cNvSpPr>
@@ -2921,13 +2585,7 @@
       </p:sp>
       <p:sp>
         <p:nvSpPr>
-          <p:cNvPr id="5" name="Footer Placeholder 4">
-            <a:extLst>
-              <a:ext uri="{FF2B5EF4-FFF2-40B4-BE49-F238E27FC236}">
-                <a16:creationId xmlns:a16="http://schemas.microsoft.com/office/drawing/2014/main" id="{14EAEDD5-5073-4719-A749-A9A09E4994B3}"/>
-              </a:ext>
-            </a:extLst>
-          </p:cNvPr>
+          <p:cNvPr id="5" name="Footer Placeholder 4"/>
           <p:cNvSpPr>
             <a:spLocks noGrp="1"/>
           </p:cNvSpPr>
@@ -2964,13 +2622,7 @@
       </p:sp>
       <p:sp>
         <p:nvSpPr>
-          <p:cNvPr id="6" name="Slide Number Placeholder 5">
-            <a:extLst>
-              <a:ext uri="{FF2B5EF4-FFF2-40B4-BE49-F238E27FC236}">
-                <a16:creationId xmlns:a16="http://schemas.microsoft.com/office/drawing/2014/main" id="{73FCB03E-1F98-4C78-9395-19855B6C8846}"/>
-              </a:ext>
-            </a:extLst>
-          </p:cNvPr>
+          <p:cNvPr id="6" name="Slide Number Placeholder 5"/>
           <p:cNvSpPr>
             <a:spLocks noGrp="1"/>
           </p:cNvSpPr>
@@ -3012,23 +2664,23 @@
     </p:spTree>
     <p:extLst>
       <p:ext uri="{BB962C8B-B14F-4D97-AF65-F5344CB8AC3E}">
-        <p14:creationId xmlns:p14="http://schemas.microsoft.com/office/powerpoint/2010/main" val="32264659"/>
+        <p14:creationId xmlns:p14="http://schemas.microsoft.com/office/powerpoint/2010/main" val="347870255"/>
       </p:ext>
     </p:extLst>
   </p:cSld>
-  <p:clrMap bg1="lt1" tx1="dk1" bg2="lt2" tx2="dk2" accent1="accent1" accent2="accent2" accent3="accent3" accent4="accent4" accent5="accent5" accent6="accent6" hlink="hlink" folHlink="folHlink"/>
+  <p:clrMap bg1="dk1" tx1="lt1" bg2="dk2" tx2="lt2" accent1="accent1" accent2="accent2" accent3="accent3" accent4="accent4" accent5="accent5" accent6="accent6" hlink="hlink" folHlink="folHlink"/>
   <p:sldLayoutIdLst>
-    <p:sldLayoutId id="2147483649" r:id="rId1"/>
-    <p:sldLayoutId id="2147483650" r:id="rId2"/>
-    <p:sldLayoutId id="2147483651" r:id="rId3"/>
-    <p:sldLayoutId id="2147483652" r:id="rId4"/>
-    <p:sldLayoutId id="2147483653" r:id="rId5"/>
-    <p:sldLayoutId id="2147483654" r:id="rId6"/>
-    <p:sldLayoutId id="2147483655" r:id="rId7"/>
-    <p:sldLayoutId id="2147483656" r:id="rId8"/>
-    <p:sldLayoutId id="2147483657" r:id="rId9"/>
-    <p:sldLayoutId id="2147483658" r:id="rId10"/>
-    <p:sldLayoutId id="2147483659" r:id="rId11"/>
+    <p:sldLayoutId id="2147483661" r:id="rId1"/>
+    <p:sldLayoutId id="2147483662" r:id="rId2"/>
+    <p:sldLayoutId id="2147483663" r:id="rId3"/>
+    <p:sldLayoutId id="2147483664" r:id="rId4"/>
+    <p:sldLayoutId id="2147483665" r:id="rId5"/>
+    <p:sldLayoutId id="2147483666" r:id="rId6"/>
+    <p:sldLayoutId id="2147483667" r:id="rId7"/>
+    <p:sldLayoutId id="2147483668" r:id="rId8"/>
+    <p:sldLayoutId id="2147483669" r:id="rId9"/>
+    <p:sldLayoutId id="2147483670" r:id="rId10"/>
+    <p:sldLayoutId id="2147483671" r:id="rId11"/>
   </p:sldLayoutIdLst>
   <p:txStyles>
     <p:titleStyle>
@@ -3357,10 +3009,9 @@
           <a:lstStyle/>
           <a:p>
             <a:r>
-              <a:rPr lang="en-US" b="1" dirty="0" err="1"/>
-              <a:t>Imaginarium</a:t>
-            </a:r>
-            <a:endParaRPr lang="en-US" b="1" dirty="0"/>
+              <a:rPr lang="en-US" b="1" dirty="0"/>
+              <a:t>IMAGINARIUM</a:t>
+            </a:r>
           </a:p>
         </p:txBody>
       </p:sp>
@@ -3629,6 +3280,219 @@
   <p:clrMapOvr>
     <a:masterClrMapping/>
   </p:clrMapOvr>
+  <p:timing>
+    <p:tnLst>
+      <p:par>
+        <p:cTn id="1" dur="indefinite" restart="never" nodeType="tmRoot">
+          <p:childTnLst>
+            <p:seq concurrent="1" nextAc="seek">
+              <p:cTn id="2" dur="indefinite" nodeType="mainSeq">
+                <p:childTnLst>
+                  <p:par>
+                    <p:cTn id="3" fill="hold">
+                      <p:stCondLst>
+                        <p:cond delay="indefinite"/>
+                      </p:stCondLst>
+                      <p:childTnLst>
+                        <p:par>
+                          <p:cTn id="4" fill="hold">
+                            <p:stCondLst>
+                              <p:cond delay="0"/>
+                            </p:stCondLst>
+                            <p:childTnLst>
+                              <p:par>
+                                <p:cTn id="5" presetID="10" presetClass="entr" presetSubtype="0" fill="hold" nodeType="clickEffect">
+                                  <p:stCondLst>
+                                    <p:cond delay="0"/>
+                                  </p:stCondLst>
+                                  <p:childTnLst>
+                                    <p:set>
+                                      <p:cBhvr>
+                                        <p:cTn id="6" dur="1" fill="hold">
+                                          <p:stCondLst>
+                                            <p:cond delay="0"/>
+                                          </p:stCondLst>
+                                        </p:cTn>
+                                        <p:tgtEl>
+                                          <p:spTgt spid="3">
+                                            <p:txEl>
+                                              <p:pRg st="0" end="0"/>
+                                            </p:txEl>
+                                          </p:spTgt>
+                                        </p:tgtEl>
+                                        <p:attrNameLst>
+                                          <p:attrName>style.visibility</p:attrName>
+                                        </p:attrNameLst>
+                                      </p:cBhvr>
+                                      <p:to>
+                                        <p:strVal val="visible"/>
+                                      </p:to>
+                                    </p:set>
+                                    <p:animEffect transition="in" filter="fade">
+                                      <p:cBhvr>
+                                        <p:cTn id="7" dur="500"/>
+                                        <p:tgtEl>
+                                          <p:spTgt spid="3">
+                                            <p:txEl>
+                                              <p:pRg st="0" end="0"/>
+                                            </p:txEl>
+                                          </p:spTgt>
+                                        </p:tgtEl>
+                                      </p:cBhvr>
+                                    </p:animEffect>
+                                  </p:childTnLst>
+                                </p:cTn>
+                              </p:par>
+                            </p:childTnLst>
+                          </p:cTn>
+                        </p:par>
+                      </p:childTnLst>
+                    </p:cTn>
+                  </p:par>
+                  <p:par>
+                    <p:cTn id="8" fill="hold">
+                      <p:stCondLst>
+                        <p:cond delay="indefinite"/>
+                      </p:stCondLst>
+                      <p:childTnLst>
+                        <p:par>
+                          <p:cTn id="9" fill="hold">
+                            <p:stCondLst>
+                              <p:cond delay="0"/>
+                            </p:stCondLst>
+                            <p:childTnLst>
+                              <p:par>
+                                <p:cTn id="10" presetID="10" presetClass="entr" presetSubtype="0" fill="hold" nodeType="clickEffect">
+                                  <p:stCondLst>
+                                    <p:cond delay="0"/>
+                                  </p:stCondLst>
+                                  <p:childTnLst>
+                                    <p:set>
+                                      <p:cBhvr>
+                                        <p:cTn id="11" dur="1" fill="hold">
+                                          <p:stCondLst>
+                                            <p:cond delay="0"/>
+                                          </p:stCondLst>
+                                        </p:cTn>
+                                        <p:tgtEl>
+                                          <p:spTgt spid="3">
+                                            <p:txEl>
+                                              <p:pRg st="1" end="1"/>
+                                            </p:txEl>
+                                          </p:spTgt>
+                                        </p:tgtEl>
+                                        <p:attrNameLst>
+                                          <p:attrName>style.visibility</p:attrName>
+                                        </p:attrNameLst>
+                                      </p:cBhvr>
+                                      <p:to>
+                                        <p:strVal val="visible"/>
+                                      </p:to>
+                                    </p:set>
+                                    <p:animEffect transition="in" filter="fade">
+                                      <p:cBhvr>
+                                        <p:cTn id="12" dur="500"/>
+                                        <p:tgtEl>
+                                          <p:spTgt spid="3">
+                                            <p:txEl>
+                                              <p:pRg st="1" end="1"/>
+                                            </p:txEl>
+                                          </p:spTgt>
+                                        </p:tgtEl>
+                                      </p:cBhvr>
+                                    </p:animEffect>
+                                  </p:childTnLst>
+                                </p:cTn>
+                              </p:par>
+                            </p:childTnLst>
+                          </p:cTn>
+                        </p:par>
+                      </p:childTnLst>
+                    </p:cTn>
+                  </p:par>
+                  <p:par>
+                    <p:cTn id="13" fill="hold">
+                      <p:stCondLst>
+                        <p:cond delay="indefinite"/>
+                      </p:stCondLst>
+                      <p:childTnLst>
+                        <p:par>
+                          <p:cTn id="14" fill="hold">
+                            <p:stCondLst>
+                              <p:cond delay="0"/>
+                            </p:stCondLst>
+                            <p:childTnLst>
+                              <p:par>
+                                <p:cTn id="15" presetID="10" presetClass="entr" presetSubtype="0" fill="hold" nodeType="clickEffect">
+                                  <p:stCondLst>
+                                    <p:cond delay="0"/>
+                                  </p:stCondLst>
+                                  <p:childTnLst>
+                                    <p:set>
+                                      <p:cBhvr>
+                                        <p:cTn id="16" dur="1" fill="hold">
+                                          <p:stCondLst>
+                                            <p:cond delay="0"/>
+                                          </p:stCondLst>
+                                        </p:cTn>
+                                        <p:tgtEl>
+                                          <p:spTgt spid="3">
+                                            <p:txEl>
+                                              <p:pRg st="2" end="2"/>
+                                            </p:txEl>
+                                          </p:spTgt>
+                                        </p:tgtEl>
+                                        <p:attrNameLst>
+                                          <p:attrName>style.visibility</p:attrName>
+                                        </p:attrNameLst>
+                                      </p:cBhvr>
+                                      <p:to>
+                                        <p:strVal val="visible"/>
+                                      </p:to>
+                                    </p:set>
+                                    <p:animEffect transition="in" filter="fade">
+                                      <p:cBhvr>
+                                        <p:cTn id="17" dur="500"/>
+                                        <p:tgtEl>
+                                          <p:spTgt spid="3">
+                                            <p:txEl>
+                                              <p:pRg st="2" end="2"/>
+                                            </p:txEl>
+                                          </p:spTgt>
+                                        </p:tgtEl>
+                                      </p:cBhvr>
+                                    </p:animEffect>
+                                  </p:childTnLst>
+                                </p:cTn>
+                              </p:par>
+                            </p:childTnLst>
+                          </p:cTn>
+                        </p:par>
+                      </p:childTnLst>
+                    </p:cTn>
+                  </p:par>
+                </p:childTnLst>
+              </p:cTn>
+              <p:prevCondLst>
+                <p:cond evt="onPrev" delay="0">
+                  <p:tgtEl>
+                    <p:sldTgt/>
+                  </p:tgtEl>
+                </p:cond>
+              </p:prevCondLst>
+              <p:nextCondLst>
+                <p:cond evt="onNext" delay="0">
+                  <p:tgtEl>
+                    <p:sldTgt/>
+                  </p:tgtEl>
+                </p:cond>
+              </p:nextCondLst>
+            </p:seq>
+          </p:childTnLst>
+        </p:cTn>
+      </p:par>
+    </p:tnLst>
+  </p:timing>
 </p:sld>
 </file>
 
@@ -4356,7 +4220,7 @@
 <file path=ppt/theme/theme1.xml><?xml version="1.0" encoding="utf-8"?>
 <a:theme xmlns:a="http://schemas.openxmlformats.org/drawingml/2006/main" name="Office Theme">
   <a:themeElements>
-    <a:clrScheme name="Office">
+    <a:clrScheme name="Office Theme">
       <a:dk1>
         <a:sysClr val="windowText" lastClr="000000"/>
       </a:dk1>
@@ -4394,7 +4258,7 @@
         <a:srgbClr val="954F72"/>
       </a:folHlink>
     </a:clrScheme>
-    <a:fontScheme name="Office">
+    <a:fontScheme name="Office Theme">
       <a:majorFont>
         <a:latin typeface="Calibri Light" panose="020F0302020204030204"/>
         <a:ea typeface=""/>
@@ -4429,23 +4293,6 @@
         <a:font script="Viet" typeface="Times New Roman"/>
         <a:font script="Uigh" typeface="Microsoft Uighur"/>
         <a:font script="Geor" typeface="Sylfaen"/>
-        <a:font script="Armn" typeface="Arial"/>
-        <a:font script="Bugi" typeface="Leelawadee UI"/>
-        <a:font script="Bopo" typeface="Microsoft JhengHei"/>
-        <a:font script="Java" typeface="Javanese Text"/>
-        <a:font script="Lisu" typeface="Segoe UI"/>
-        <a:font script="Mymr" typeface="Myanmar Text"/>
-        <a:font script="Nkoo" typeface="Ebrima"/>
-        <a:font script="Olck" typeface="Nirmala UI"/>
-        <a:font script="Osma" typeface="Ebrima"/>
-        <a:font script="Phag" typeface="Phagspa"/>
-        <a:font script="Syrn" typeface="Estrangelo Edessa"/>
-        <a:font script="Syrj" typeface="Estrangelo Edessa"/>
-        <a:font script="Syre" typeface="Estrangelo Edessa"/>
-        <a:font script="Sora" typeface="Nirmala UI"/>
-        <a:font script="Tale" typeface="Microsoft Tai Le"/>
-        <a:font script="Talu" typeface="Microsoft New Tai Lue"/>
-        <a:font script="Tfng" typeface="Ebrima"/>
       </a:majorFont>
       <a:minorFont>
         <a:latin typeface="Calibri" panose="020F0502020204030204"/>
@@ -4481,26 +4328,9 @@
         <a:font script="Viet" typeface="Arial"/>
         <a:font script="Uigh" typeface="Microsoft Uighur"/>
         <a:font script="Geor" typeface="Sylfaen"/>
-        <a:font script="Armn" typeface="Arial"/>
-        <a:font script="Bugi" typeface="Leelawadee UI"/>
-        <a:font script="Bopo" typeface="Microsoft JhengHei"/>
-        <a:font script="Java" typeface="Javanese Text"/>
-        <a:font script="Lisu" typeface="Segoe UI"/>
-        <a:font script="Mymr" typeface="Myanmar Text"/>
-        <a:font script="Nkoo" typeface="Ebrima"/>
-        <a:font script="Olck" typeface="Nirmala UI"/>
-        <a:font script="Osma" typeface="Ebrima"/>
-        <a:font script="Phag" typeface="Phagspa"/>
-        <a:font script="Syrn" typeface="Estrangelo Edessa"/>
-        <a:font script="Syrj" typeface="Estrangelo Edessa"/>
-        <a:font script="Syre" typeface="Estrangelo Edessa"/>
-        <a:font script="Sora" typeface="Nirmala UI"/>
-        <a:font script="Tale" typeface="Microsoft Tai Le"/>
-        <a:font script="Talu" typeface="Microsoft New Tai Lue"/>
-        <a:font script="Tfng" typeface="Ebrima"/>
       </a:minorFont>
     </a:fontScheme>
-    <a:fmtScheme name="Office">
+    <a:fmtScheme name="Office Theme">
       <a:fillStyleLst>
         <a:solidFill>
           <a:schemeClr val="phClr"/>
@@ -4642,7 +4472,7 @@
   <a:extraClrSchemeLst/>
   <a:extLst>
     <a:ext uri="{05A4C25C-085E-4340-85A3-A5531E510DB2}">
-      <thm15:themeFamily xmlns:thm15="http://schemas.microsoft.com/office/thememl/2012/main" name="Office Theme" id="{62F939B6-93AF-4DB8-9C6B-D6C7DFDC589F}" vid="{4A3C46E8-61CC-4603-A589-7422A47A8E4A}"/>
+      <thm15:themeFamily xmlns:thm15="http://schemas.microsoft.com/office/thememl/2012/main" name="Office Theme" id="{62F939B6-93AF-4DB8-9C6B-D6C7DFDC589F}" vid="{4F46216B-77A9-411A-B9D3-5023FCB70208}"/>
     </a:ext>
   </a:extLst>
 </a:theme>
